--- a/gopher.pptx
+++ b/gopher.pptx
@@ -2958,7 +2958,7 @@
     <p:bg>
       <p:bgPr>
         <a:solidFill>
-          <a:srgbClr val="282828"/>
+          <a:schemeClr val="bg1"/>
         </a:solidFill>
         <a:effectLst/>
       </p:bgPr>
